--- a/midpres/dotai.pptx
+++ b/midpres/dotai.pptx
@@ -1,6 +1,6 @@
 
 <file path=ppt/presentation.xml><?xml version="1.0" encoding="utf-8"?>
-<p:presentation xmlns:a="http://schemas.openxmlformats.org/drawingml/2006/main" xmlns:r="http://schemas.openxmlformats.org/officeDocument/2006/relationships" xmlns:p="http://schemas.openxmlformats.org/presentationml/2006/main" saveSubsetFonts="1" autoCompressPictures="0">
+<p:presentation xmlns:a="http://schemas.openxmlformats.org/drawingml/2006/main" xmlns:r="http://schemas.openxmlformats.org/officeDocument/2006/relationships" xmlns:p="http://schemas.openxmlformats.org/presentationml/2006/main" firstSlideNum="0" showSpecialPlsOnTitleSld="0" saveSubsetFonts="1" autoCompressPictures="0">
   <p:sldMasterIdLst>
     <p:sldMasterId id="2147483648" r:id="rId1"/>
   </p:sldMasterIdLst>
@@ -217,7 +217,7 @@
           <a:p>
             <a:fld id="{C5BBBF5E-F686-CF40-ADEC-B46D095C2420}" type="datetimeFigureOut">
               <a:rPr lang="fr-FR" smtClean="0"/>
-              <a:t>16/12/2017</a:t>
+              <a:t>19/12/2017</a:t>
             </a:fld>
             <a:endParaRPr lang="fr-FR"/>
           </a:p>
@@ -485,6 +485,90 @@
 </p:notesMaster>
 </file>
 
+<file path=ppt/notesSlides/notesSlide1.xml><?xml version="1.0" encoding="utf-8"?>
+<p:notes xmlns:a="http://schemas.openxmlformats.org/drawingml/2006/main" xmlns:r="http://schemas.openxmlformats.org/officeDocument/2006/relationships" xmlns:p="http://schemas.openxmlformats.org/presentationml/2006/main">
+  <p:cSld>
+    <p:spTree>
+      <p:nvGrpSpPr>
+        <p:cNvPr id="1" name=""/>
+        <p:cNvGrpSpPr/>
+        <p:nvPr/>
+      </p:nvGrpSpPr>
+      <p:grpSpPr>
+        <a:xfrm>
+          <a:off x="0" y="0"/>
+          <a:ext cx="0" cy="0"/>
+          <a:chOff x="0" y="0"/>
+          <a:chExt cx="0" cy="0"/>
+        </a:xfrm>
+      </p:grpSpPr>
+      <p:sp>
+        <p:nvSpPr>
+          <p:cNvPr id="2" name="Espace réservé de l’image des diapositives 1"/>
+          <p:cNvSpPr>
+            <a:spLocks noGrp="1" noRot="1" noChangeAspect="1"/>
+          </p:cNvSpPr>
+          <p:nvPr>
+            <p:ph type="sldImg"/>
+          </p:nvPr>
+        </p:nvSpPr>
+        <p:spPr/>
+      </p:sp>
+      <p:sp>
+        <p:nvSpPr>
+          <p:cNvPr id="3" name="Espace réservé des commentaires 2"/>
+          <p:cNvSpPr>
+            <a:spLocks noGrp="1"/>
+          </p:cNvSpPr>
+          <p:nvPr>
+            <p:ph type="body" idx="1"/>
+          </p:nvPr>
+        </p:nvSpPr>
+        <p:spPr/>
+        <p:txBody>
+          <a:bodyPr/>
+          <a:lstStyle/>
+          <a:p>
+            <a:endParaRPr lang="fr-FR"/>
+          </a:p>
+        </p:txBody>
+      </p:sp>
+      <p:sp>
+        <p:nvSpPr>
+          <p:cNvPr id="4" name="Espace réservé du numéro de diapositive 3"/>
+          <p:cNvSpPr>
+            <a:spLocks noGrp="1"/>
+          </p:cNvSpPr>
+          <p:nvPr>
+            <p:ph type="sldNum" sz="quarter" idx="10"/>
+          </p:nvPr>
+        </p:nvSpPr>
+        <p:spPr/>
+        <p:txBody>
+          <a:bodyPr/>
+          <a:lstStyle/>
+          <a:p>
+            <a:fld id="{AD12F6FB-F36B-174E-9914-E27C5F8FDAF3}" type="slidenum">
+              <a:rPr lang="fr-FR" smtClean="0"/>
+              <a:t>0</a:t>
+            </a:fld>
+            <a:endParaRPr lang="fr-FR"/>
+          </a:p>
+        </p:txBody>
+      </p:sp>
+    </p:spTree>
+    <p:extLst>
+      <p:ext uri="{BB962C8B-B14F-4D97-AF65-F5344CB8AC3E}">
+        <p14:creationId xmlns:p14="http://schemas.microsoft.com/office/powerpoint/2010/main" val="1320224695"/>
+      </p:ext>
+    </p:extLst>
+  </p:cSld>
+  <p:clrMapOvr>
+    <a:masterClrMapping/>
+  </p:clrMapOvr>
+</p:notes>
+</file>
+
 <file path=ppt/slideLayouts/slideLayout1.xml><?xml version="1.0" encoding="utf-8"?>
 <p:sldLayout xmlns:a="http://schemas.openxmlformats.org/drawingml/2006/main" xmlns:r="http://schemas.openxmlformats.org/officeDocument/2006/relationships" xmlns:p="http://schemas.openxmlformats.org/presentationml/2006/main" type="title" preserve="1">
   <p:cSld name="Title Slide">
@@ -1892,10 +1976,9 @@
             </a:lvl1pPr>
           </a:lstStyle>
           <a:p>
-            <a:fld id="{48A87A34-81AB-432B-8DAE-1953F412C126}" type="datetimeFigureOut">
-              <a:rPr lang="en-US" dirty="0"/>
-              <a:pPr/>
-              <a:t>12/16/17</a:t>
+            <a:fld id="{B5DB3AC9-2B53-A445-9E6D-0E36C802B54D}" type="datetime1">
+              <a:rPr lang="fr-CH" smtClean="0"/>
+              <a:t>19.12.17</a:t>
             </a:fld>
             <a:endParaRPr lang="en-US" dirty="0"/>
           </a:p>
@@ -3347,9 +3430,9 @@
           <a:bodyPr/>
           <a:lstStyle/>
           <a:p>
-            <a:fld id="{48A87A34-81AB-432B-8DAE-1953F412C126}" type="datetimeFigureOut">
-              <a:rPr lang="en-US" dirty="0"/>
-              <a:t>12/16/17</a:t>
+            <a:fld id="{57EFDA0E-0477-8F43-969A-5CBB6ABBB848}" type="datetime1">
+              <a:rPr lang="fr-CH" smtClean="0"/>
+              <a:t>19.12.17</a:t>
             </a:fld>
             <a:endParaRPr lang="en-US" dirty="0"/>
           </a:p>
@@ -4795,9 +4878,9 @@
           <a:bodyPr/>
           <a:lstStyle/>
           <a:p>
-            <a:fld id="{48A87A34-81AB-432B-8DAE-1953F412C126}" type="datetimeFigureOut">
-              <a:rPr lang="en-US" dirty="0"/>
-              <a:t>12/16/17</a:t>
+            <a:fld id="{8438236A-97EC-6146-8968-D38F02FEE218}" type="datetime1">
+              <a:rPr lang="fr-CH" smtClean="0"/>
+              <a:t>19.12.17</a:t>
             </a:fld>
             <a:endParaRPr lang="en-US" dirty="0"/>
           </a:p>
@@ -6245,9 +6328,9 @@
           <a:bodyPr/>
           <a:lstStyle/>
           <a:p>
-            <a:fld id="{48A87A34-81AB-432B-8DAE-1953F412C126}" type="datetimeFigureOut">
-              <a:rPr lang="en-US" dirty="0"/>
-              <a:t>12/16/17</a:t>
+            <a:fld id="{0C87A25F-B4DB-AD4A-92AB-542828232657}" type="datetime1">
+              <a:rPr lang="fr-CH" smtClean="0"/>
+              <a:t>19.12.17</a:t>
             </a:fld>
             <a:endParaRPr lang="en-US" dirty="0"/>
           </a:p>
@@ -7748,9 +7831,9 @@
           <a:bodyPr/>
           <a:lstStyle/>
           <a:p>
-            <a:fld id="{48A87A34-81AB-432B-8DAE-1953F412C126}" type="datetimeFigureOut">
-              <a:rPr lang="en-US" dirty="0"/>
-              <a:t>12/16/17</a:t>
+            <a:fld id="{DFC51A64-5CDA-5642-A18A-3221CF951A4E}" type="datetime1">
+              <a:rPr lang="fr-CH" smtClean="0"/>
+              <a:t>19.12.17</a:t>
             </a:fld>
             <a:endParaRPr lang="en-US" dirty="0"/>
           </a:p>
@@ -9264,9 +9347,9 @@
           <a:bodyPr/>
           <a:lstStyle/>
           <a:p>
-            <a:fld id="{48A87A34-81AB-432B-8DAE-1953F412C126}" type="datetimeFigureOut">
-              <a:rPr lang="en-US" dirty="0"/>
-              <a:t>12/16/17</a:t>
+            <a:fld id="{9EC3143B-673D-654C-9BE2-5864AE30FF59}" type="datetime1">
+              <a:rPr lang="fr-CH" smtClean="0"/>
+              <a:t>19.12.17</a:t>
             </a:fld>
             <a:endParaRPr lang="en-US" dirty="0"/>
           </a:p>
@@ -10924,9 +11007,9 @@
           <a:bodyPr/>
           <a:lstStyle/>
           <a:p>
-            <a:fld id="{48A87A34-81AB-432B-8DAE-1953F412C126}" type="datetimeFigureOut">
-              <a:rPr lang="en-US" dirty="0"/>
-              <a:t>12/16/17</a:t>
+            <a:fld id="{D421BA3E-ED5F-0C46-BDAF-364718B5FFFD}" type="datetime1">
+              <a:rPr lang="fr-CH" smtClean="0"/>
+              <a:t>19.12.17</a:t>
             </a:fld>
             <a:endParaRPr lang="en-US" dirty="0"/>
           </a:p>
@@ -12317,9 +12400,9 @@
           <a:bodyPr/>
           <a:lstStyle/>
           <a:p>
-            <a:fld id="{48A87A34-81AB-432B-8DAE-1953F412C126}" type="datetimeFigureOut">
-              <a:rPr lang="en-US" dirty="0"/>
-              <a:t>12/16/17</a:t>
+            <a:fld id="{347DE34A-3EAA-574F-A6F9-697E642F4096}" type="datetime1">
+              <a:rPr lang="fr-CH" smtClean="0"/>
+              <a:t>19.12.17</a:t>
             </a:fld>
             <a:endParaRPr lang="en-US" dirty="0"/>
           </a:p>
@@ -12412,9 +12495,9 @@
           <a:bodyPr/>
           <a:lstStyle/>
           <a:p>
-            <a:fld id="{48A87A34-81AB-432B-8DAE-1953F412C126}" type="datetimeFigureOut">
-              <a:rPr lang="en-US" dirty="0"/>
-              <a:t>12/16/17</a:t>
+            <a:fld id="{E9790821-76AA-3547-A42E-C75D83ACAEDB}" type="datetime1">
+              <a:rPr lang="fr-CH" smtClean="0"/>
+              <a:t>19.12.17</a:t>
             </a:fld>
             <a:endParaRPr lang="en-US" dirty="0"/>
           </a:p>
@@ -13933,9 +14016,9 @@
           <a:bodyPr/>
           <a:lstStyle/>
           <a:p>
-            <a:fld id="{48A87A34-81AB-432B-8DAE-1953F412C126}" type="datetimeFigureOut">
-              <a:rPr lang="en-US" dirty="0"/>
-              <a:t>12/16/17</a:t>
+            <a:fld id="{A3B9EF66-9449-2847-9E12-382D00FD7896}" type="datetime1">
+              <a:rPr lang="fr-CH" smtClean="0"/>
+              <a:t>19.12.17</a:t>
             </a:fld>
             <a:endParaRPr lang="en-US" dirty="0"/>
           </a:p>
@@ -15464,9 +15547,9 @@
           <a:bodyPr/>
           <a:lstStyle/>
           <a:p>
-            <a:fld id="{48A87A34-81AB-432B-8DAE-1953F412C126}" type="datetimeFigureOut">
-              <a:rPr lang="en-US" dirty="0"/>
-              <a:t>12/16/17</a:t>
+            <a:fld id="{EB2B9463-2D45-FC45-8C0A-01CED06F0942}" type="datetime1">
+              <a:rPr lang="fr-CH" smtClean="0"/>
+              <a:t>19.12.17</a:t>
             </a:fld>
             <a:endParaRPr lang="en-US" dirty="0"/>
           </a:p>
@@ -15709,10 +15792,9 @@
             </a:lvl1pPr>
           </a:lstStyle>
           <a:p>
-            <a:fld id="{48A87A34-81AB-432B-8DAE-1953F412C126}" type="datetimeFigureOut">
-              <a:rPr lang="en-US" dirty="0"/>
-              <a:pPr/>
-              <a:t>12/16/17</a:t>
+            <a:fld id="{AC5986A0-3FFA-CA4E-93F4-1E8E865D7389}" type="datetime1">
+              <a:rPr lang="fr-CH" smtClean="0"/>
+              <a:t>19.12.17</a:t>
             </a:fld>
             <a:endParaRPr lang="en-US" dirty="0"/>
           </a:p>
@@ -15813,6 +15895,7 @@
     <p:sldLayoutId id="2147483658" r:id="rId10"/>
     <p:sldLayoutId id="2147483659" r:id="rId11"/>
   </p:sldLayoutIdLst>
+  <p:hf hdr="0" ftr="0" dt="0"/>
   <p:txStyles>
     <p:titleStyle>
       <a:lvl1pPr algn="ctr" defTabSz="914400" rtl="0" eaLnBrk="1" latinLnBrk="0" hangingPunct="1">
@@ -16407,9 +16490,40 @@
           <a:p>
             <a:r>
               <a:rPr lang="fr-FR" dirty="0" smtClean="0"/>
-              <a:t>Comprendre comment se programmerai un robot qui apprenne a jouer sur la base de nos données</a:t>
+              <a:t>Comprendre comment se </a:t>
+            </a:r>
+            <a:r>
+              <a:rPr lang="fr-FR" dirty="0" smtClean="0"/>
+              <a:t>programmerait </a:t>
+            </a:r>
+            <a:r>
+              <a:rPr lang="fr-FR" dirty="0" smtClean="0"/>
+              <a:t>un robot qui apprenne a jouer sur la base de nos données</a:t>
             </a:r>
             <a:endParaRPr lang="fr-FR" dirty="0"/>
+          </a:p>
+        </p:txBody>
+      </p:sp>
+      <p:sp>
+        <p:nvSpPr>
+          <p:cNvPr id="4" name="Espace réservé du numéro de diapositive 3"/>
+          <p:cNvSpPr>
+            <a:spLocks noGrp="1"/>
+          </p:cNvSpPr>
+          <p:nvPr>
+            <p:ph type="sldNum" sz="quarter" idx="12"/>
+          </p:nvPr>
+        </p:nvSpPr>
+        <p:spPr/>
+        <p:txBody>
+          <a:bodyPr/>
+          <a:lstStyle/>
+          <a:p>
+            <a:fld id="{6D22F896-40B5-4ADD-8801-0D06FADFA095}" type="slidenum">
+              <a:rPr lang="en-US" smtClean="0"/>
+              <a:t>1</a:t>
+            </a:fld>
+            <a:endParaRPr lang="en-US" dirty="0"/>
           </a:p>
         </p:txBody>
       </p:sp>
@@ -16543,6 +16657,29 @@
           </a:p>
         </p:txBody>
       </p:sp>
+      <p:sp>
+        <p:nvSpPr>
+          <p:cNvPr id="4" name="Espace réservé du numéro de diapositive 3"/>
+          <p:cNvSpPr>
+            <a:spLocks noGrp="1"/>
+          </p:cNvSpPr>
+          <p:nvPr>
+            <p:ph type="sldNum" sz="quarter" idx="12"/>
+          </p:nvPr>
+        </p:nvSpPr>
+        <p:spPr/>
+        <p:txBody>
+          <a:bodyPr/>
+          <a:lstStyle/>
+          <a:p>
+            <a:fld id="{6D22F896-40B5-4ADD-8801-0D06FADFA095}" type="slidenum">
+              <a:rPr lang="en-US" smtClean="0"/>
+              <a:t>2</a:t>
+            </a:fld>
+            <a:endParaRPr lang="en-US" dirty="0"/>
+          </a:p>
+        </p:txBody>
+      </p:sp>
     </p:spTree>
     <p:extLst>
       <p:ext uri="{BB962C8B-B14F-4D97-AF65-F5344CB8AC3E}">
@@ -16650,6 +16787,29 @@
           </a:extLst>
         </p:spPr>
       </p:pic>
+      <p:sp>
+        <p:nvSpPr>
+          <p:cNvPr id="3" name="Espace réservé du numéro de diapositive 2"/>
+          <p:cNvSpPr>
+            <a:spLocks noGrp="1"/>
+          </p:cNvSpPr>
+          <p:nvPr>
+            <p:ph type="sldNum" sz="quarter" idx="12"/>
+          </p:nvPr>
+        </p:nvSpPr>
+        <p:spPr/>
+        <p:txBody>
+          <a:bodyPr/>
+          <a:lstStyle/>
+          <a:p>
+            <a:fld id="{6D22F896-40B5-4ADD-8801-0D06FADFA095}" type="slidenum">
+              <a:rPr lang="en-US" smtClean="0"/>
+              <a:t>3</a:t>
+            </a:fld>
+            <a:endParaRPr lang="en-US" dirty="0"/>
+          </a:p>
+        </p:txBody>
+      </p:sp>
     </p:spTree>
     <p:extLst>
       <p:ext uri="{BB962C8B-B14F-4D97-AF65-F5344CB8AC3E}">
@@ -16769,6 +16929,29 @@
               <a:t>demo</a:t>
             </a:r>
             <a:endParaRPr lang="fr-FR" dirty="0"/>
+          </a:p>
+        </p:txBody>
+      </p:sp>
+      <p:sp>
+        <p:nvSpPr>
+          <p:cNvPr id="4" name="Espace réservé du numéro de diapositive 3"/>
+          <p:cNvSpPr>
+            <a:spLocks noGrp="1"/>
+          </p:cNvSpPr>
+          <p:nvPr>
+            <p:ph type="sldNum" sz="quarter" idx="12"/>
+          </p:nvPr>
+        </p:nvSpPr>
+        <p:spPr/>
+        <p:txBody>
+          <a:bodyPr/>
+          <a:lstStyle/>
+          <a:p>
+            <a:fld id="{6D22F896-40B5-4ADD-8801-0D06FADFA095}" type="slidenum">
+              <a:rPr lang="en-US" smtClean="0"/>
+              <a:t>4</a:t>
+            </a:fld>
+            <a:endParaRPr lang="en-US" dirty="0"/>
           </a:p>
         </p:txBody>
       </p:sp>
@@ -16902,6 +17085,29 @@
           </a:p>
         </p:txBody>
       </p:sp>
+      <p:sp>
+        <p:nvSpPr>
+          <p:cNvPr id="4" name="Espace réservé du numéro de diapositive 3"/>
+          <p:cNvSpPr>
+            <a:spLocks noGrp="1"/>
+          </p:cNvSpPr>
+          <p:nvPr>
+            <p:ph type="sldNum" sz="quarter" idx="12"/>
+          </p:nvPr>
+        </p:nvSpPr>
+        <p:spPr/>
+        <p:txBody>
+          <a:bodyPr/>
+          <a:lstStyle/>
+          <a:p>
+            <a:fld id="{6D22F896-40B5-4ADD-8801-0D06FADFA095}" type="slidenum">
+              <a:rPr lang="en-US" smtClean="0"/>
+              <a:t>5</a:t>
+            </a:fld>
+            <a:endParaRPr lang="en-US" dirty="0"/>
+          </a:p>
+        </p:txBody>
+      </p:sp>
     </p:spTree>
     <p:extLst>
       <p:ext uri="{BB962C8B-B14F-4D97-AF65-F5344CB8AC3E}">
@@ -16991,6 +17197,29 @@
           </a:xfrm>
         </p:spPr>
       </p:pic>
+      <p:sp>
+        <p:nvSpPr>
+          <p:cNvPr id="3" name="Espace réservé du numéro de diapositive 2"/>
+          <p:cNvSpPr>
+            <a:spLocks noGrp="1"/>
+          </p:cNvSpPr>
+          <p:nvPr>
+            <p:ph type="sldNum" sz="quarter" idx="12"/>
+          </p:nvPr>
+        </p:nvSpPr>
+        <p:spPr/>
+        <p:txBody>
+          <a:bodyPr/>
+          <a:lstStyle/>
+          <a:p>
+            <a:fld id="{6D22F896-40B5-4ADD-8801-0D06FADFA095}" type="slidenum">
+              <a:rPr lang="en-US" smtClean="0"/>
+              <a:t>6</a:t>
+            </a:fld>
+            <a:endParaRPr lang="en-US" dirty="0"/>
+          </a:p>
+        </p:txBody>
+      </p:sp>
     </p:spTree>
     <p:extLst>
       <p:ext uri="{BB962C8B-B14F-4D97-AF65-F5344CB8AC3E}">
@@ -17104,6 +17333,29 @@
               <a:rPr lang="fr-FR" dirty="0" smtClean="0"/>
               <a:t>Analyse des possibilités de Machine Learning: 0%</a:t>
             </a:r>
+          </a:p>
+        </p:txBody>
+      </p:sp>
+      <p:sp>
+        <p:nvSpPr>
+          <p:cNvPr id="4" name="Espace réservé du numéro de diapositive 3"/>
+          <p:cNvSpPr>
+            <a:spLocks noGrp="1"/>
+          </p:cNvSpPr>
+          <p:nvPr>
+            <p:ph type="sldNum" sz="quarter" idx="12"/>
+          </p:nvPr>
+        </p:nvSpPr>
+        <p:spPr/>
+        <p:txBody>
+          <a:bodyPr/>
+          <a:lstStyle/>
+          <a:p>
+            <a:fld id="{6D22F896-40B5-4ADD-8801-0D06FADFA095}" type="slidenum">
+              <a:rPr lang="en-US" smtClean="0"/>
+              <a:t>7</a:t>
+            </a:fld>
+            <a:endParaRPr lang="en-US" dirty="0"/>
           </a:p>
         </p:txBody>
       </p:sp>
@@ -17224,6 +17476,29 @@
               <a:t> : Mars</a:t>
             </a:r>
             <a:endParaRPr lang="fr-FR" dirty="0"/>
+          </a:p>
+        </p:txBody>
+      </p:sp>
+      <p:sp>
+        <p:nvSpPr>
+          <p:cNvPr id="4" name="Espace réservé du numéro de diapositive 3"/>
+          <p:cNvSpPr>
+            <a:spLocks noGrp="1"/>
+          </p:cNvSpPr>
+          <p:nvPr>
+            <p:ph type="sldNum" sz="quarter" idx="12"/>
+          </p:nvPr>
+        </p:nvSpPr>
+        <p:spPr/>
+        <p:txBody>
+          <a:bodyPr/>
+          <a:lstStyle/>
+          <a:p>
+            <a:fld id="{6D22F896-40B5-4ADD-8801-0D06FADFA095}" type="slidenum">
+              <a:rPr lang="en-US" smtClean="0"/>
+              <a:t>8</a:t>
+            </a:fld>
+            <a:endParaRPr lang="en-US" dirty="0"/>
           </a:p>
         </p:txBody>
       </p:sp>
